--- a/ASPNET.pptx
+++ b/ASPNET.pptx
@@ -253,7 +253,7 @@
           <a:p>
             <a:fld id="{62978A57-DD40-4383-AD6A-79848CE80603}" type="datetimeFigureOut">
               <a:rPr lang="ru-RU" smtClean="0"/>
-              <a:t>26.05.2015</a:t>
+              <a:t>29.05.2015</a:t>
             </a:fld>
             <a:endParaRPr lang="ru-RU"/>
           </a:p>
@@ -423,7 +423,7 @@
           <a:p>
             <a:fld id="{62978A57-DD40-4383-AD6A-79848CE80603}" type="datetimeFigureOut">
               <a:rPr lang="ru-RU" smtClean="0"/>
-              <a:t>26.05.2015</a:t>
+              <a:t>29.05.2015</a:t>
             </a:fld>
             <a:endParaRPr lang="ru-RU"/>
           </a:p>
@@ -603,7 +603,7 @@
           <a:p>
             <a:fld id="{62978A57-DD40-4383-AD6A-79848CE80603}" type="datetimeFigureOut">
               <a:rPr lang="ru-RU" smtClean="0"/>
-              <a:t>26.05.2015</a:t>
+              <a:t>29.05.2015</a:t>
             </a:fld>
             <a:endParaRPr lang="ru-RU"/>
           </a:p>
@@ -773,7 +773,7 @@
           <a:p>
             <a:fld id="{62978A57-DD40-4383-AD6A-79848CE80603}" type="datetimeFigureOut">
               <a:rPr lang="ru-RU" smtClean="0"/>
-              <a:t>26.05.2015</a:t>
+              <a:t>29.05.2015</a:t>
             </a:fld>
             <a:endParaRPr lang="ru-RU"/>
           </a:p>
@@ -1019,7 +1019,7 @@
           <a:p>
             <a:fld id="{62978A57-DD40-4383-AD6A-79848CE80603}" type="datetimeFigureOut">
               <a:rPr lang="ru-RU" smtClean="0"/>
-              <a:t>26.05.2015</a:t>
+              <a:t>29.05.2015</a:t>
             </a:fld>
             <a:endParaRPr lang="ru-RU"/>
           </a:p>
@@ -1251,7 +1251,7 @@
           <a:p>
             <a:fld id="{62978A57-DD40-4383-AD6A-79848CE80603}" type="datetimeFigureOut">
               <a:rPr lang="ru-RU" smtClean="0"/>
-              <a:t>26.05.2015</a:t>
+              <a:t>29.05.2015</a:t>
             </a:fld>
             <a:endParaRPr lang="ru-RU"/>
           </a:p>
@@ -1618,7 +1618,7 @@
           <a:p>
             <a:fld id="{62978A57-DD40-4383-AD6A-79848CE80603}" type="datetimeFigureOut">
               <a:rPr lang="ru-RU" smtClean="0"/>
-              <a:t>26.05.2015</a:t>
+              <a:t>29.05.2015</a:t>
             </a:fld>
             <a:endParaRPr lang="ru-RU"/>
           </a:p>
@@ -1736,7 +1736,7 @@
           <a:p>
             <a:fld id="{62978A57-DD40-4383-AD6A-79848CE80603}" type="datetimeFigureOut">
               <a:rPr lang="ru-RU" smtClean="0"/>
-              <a:t>26.05.2015</a:t>
+              <a:t>29.05.2015</a:t>
             </a:fld>
             <a:endParaRPr lang="ru-RU"/>
           </a:p>
@@ -1831,7 +1831,7 @@
           <a:p>
             <a:fld id="{62978A57-DD40-4383-AD6A-79848CE80603}" type="datetimeFigureOut">
               <a:rPr lang="ru-RU" smtClean="0"/>
-              <a:t>26.05.2015</a:t>
+              <a:t>29.05.2015</a:t>
             </a:fld>
             <a:endParaRPr lang="ru-RU"/>
           </a:p>
@@ -2108,7 +2108,7 @@
           <a:p>
             <a:fld id="{62978A57-DD40-4383-AD6A-79848CE80603}" type="datetimeFigureOut">
               <a:rPr lang="ru-RU" smtClean="0"/>
-              <a:t>26.05.2015</a:t>
+              <a:t>29.05.2015</a:t>
             </a:fld>
             <a:endParaRPr lang="ru-RU"/>
           </a:p>
@@ -2361,7 +2361,7 @@
           <a:p>
             <a:fld id="{62978A57-DD40-4383-AD6A-79848CE80603}" type="datetimeFigureOut">
               <a:rPr lang="ru-RU" smtClean="0"/>
-              <a:t>26.05.2015</a:t>
+              <a:t>29.05.2015</a:t>
             </a:fld>
             <a:endParaRPr lang="ru-RU"/>
           </a:p>
@@ -2574,7 +2574,7 @@
           <a:p>
             <a:fld id="{62978A57-DD40-4383-AD6A-79848CE80603}" type="datetimeFigureOut">
               <a:rPr lang="ru-RU" smtClean="0"/>
-              <a:t>26.05.2015</a:t>
+              <a:t>29.05.2015</a:t>
             </a:fld>
             <a:endParaRPr lang="ru-RU"/>
           </a:p>
@@ -3758,14 +3758,12 @@
           </a:p>
           <a:p>
             <a:r>
-              <a:rPr lang="en-US" dirty="0" smtClean="0"/>
-              <a:t>ember-cli</a:t>
-            </a:r>
-          </a:p>
-          <a:p>
-            <a:r>
               <a:rPr lang="ru-RU" dirty="0" smtClean="0"/>
-              <a:t>Строгие конвенции</a:t>
+              <a:t>Строгие </a:t>
+            </a:r>
+            <a:r>
+              <a:rPr lang="ru-RU" dirty="0" smtClean="0"/>
+              <a:t>конвенции</a:t>
             </a:r>
           </a:p>
           <a:p>
@@ -3783,6 +3781,22 @@
               <a:rPr lang="en-US" dirty="0" smtClean="0"/>
               <a:t>frontend</a:t>
             </a:r>
+          </a:p>
+          <a:p>
+            <a:r>
+              <a:rPr lang="en-US" dirty="0"/>
+              <a:t>ember-cli (Broccoli, </a:t>
+            </a:r>
+            <a:r>
+              <a:rPr lang="en-US" dirty="0" err="1"/>
+              <a:t>LiveReload</a:t>
+            </a:r>
+            <a:r>
+              <a:rPr lang="en-US" dirty="0"/>
+              <a:t>)</a:t>
+            </a:r>
+          </a:p>
+          <a:p>
             <a:endParaRPr lang="ru-RU" dirty="0"/>
           </a:p>
         </p:txBody>
@@ -4277,11 +4291,7 @@
             </a:r>
             <a:r>
               <a:rPr lang="ru-RU" sz="3600" dirty="0" smtClean="0"/>
-              <a:t> (он чаще есть чем нет</a:t>
-            </a:r>
-            <a:r>
-              <a:rPr lang="ru-RU" sz="3600" dirty="0" smtClean="0"/>
-              <a:t>)</a:t>
+              <a:t> (он чаще есть чем нет)</a:t>
             </a:r>
           </a:p>
         </p:txBody>
